--- a/docs/diagrams/UndoRedoSequenceDiagram.pptx
+++ b/docs/diagrams/UndoRedoSequenceDiagram.pptx
@@ -126,10 +126,6 @@
 </p:presentation>
 </file>
 
-<file path=ppt/revisionInfo.xml><?xml version="1.0" encoding="utf-8"?>
-<p1510:revInfo xmlns:a="http://schemas.openxmlformats.org/drawingml/2006/main" xmlns:r="http://schemas.openxmlformats.org/officeDocument/2006/relationships" xmlns:p1510="http://schemas.microsoft.com/office/powerpoint/2015/10/main"/>
-</file>
-
 <file path=ppt/notesMasters/notesMaster1.xml><?xml version="1.0" encoding="utf-8"?>
 <p:notesMaster xmlns:a="http://schemas.openxmlformats.org/drawingml/2006/main" xmlns:r="http://schemas.openxmlformats.org/officeDocument/2006/relationships" xmlns:p="http://schemas.openxmlformats.org/presentationml/2006/main">
   <p:cSld>
@@ -212,7 +208,7 @@
           <a:p>
             <a:fld id="{F5CC4B3F-88C1-4FFA-B1B6-F41C21DC6924}" type="datetimeFigureOut">
               <a:rPr lang="en-US" smtClean="0"/>
-              <a:t>7/6/2018</a:t>
+              <a:t>3/29/2019</a:t>
             </a:fld>
             <a:endParaRPr lang="en-US"/>
           </a:p>
@@ -658,7 +654,7 @@
           <a:p>
             <a:fld id="{78C97017-6FC3-485B-9764-EAC9E56C1D49}" type="datetimeFigureOut">
               <a:rPr lang="en-US" smtClean="0"/>
-              <a:t>7/6/2018</a:t>
+              <a:t>3/29/2019</a:t>
             </a:fld>
             <a:endParaRPr lang="en-US"/>
           </a:p>
@@ -826,7 +822,7 @@
           <a:p>
             <a:fld id="{78C97017-6FC3-485B-9764-EAC9E56C1D49}" type="datetimeFigureOut">
               <a:rPr lang="en-US" smtClean="0"/>
-              <a:t>7/6/2018</a:t>
+              <a:t>3/29/2019</a:t>
             </a:fld>
             <a:endParaRPr lang="en-US"/>
           </a:p>
@@ -1004,7 +1000,7 @@
           <a:p>
             <a:fld id="{78C97017-6FC3-485B-9764-EAC9E56C1D49}" type="datetimeFigureOut">
               <a:rPr lang="en-US" smtClean="0"/>
-              <a:t>7/6/2018</a:t>
+              <a:t>3/29/2019</a:t>
             </a:fld>
             <a:endParaRPr lang="en-US"/>
           </a:p>
@@ -1172,7 +1168,7 @@
           <a:p>
             <a:fld id="{78C97017-6FC3-485B-9764-EAC9E56C1D49}" type="datetimeFigureOut">
               <a:rPr lang="en-US" smtClean="0"/>
-              <a:t>7/6/2018</a:t>
+              <a:t>3/29/2019</a:t>
             </a:fld>
             <a:endParaRPr lang="en-US"/>
           </a:p>
@@ -1417,7 +1413,7 @@
           <a:p>
             <a:fld id="{78C97017-6FC3-485B-9764-EAC9E56C1D49}" type="datetimeFigureOut">
               <a:rPr lang="en-US" smtClean="0"/>
-              <a:t>7/6/2018</a:t>
+              <a:t>3/29/2019</a:t>
             </a:fld>
             <a:endParaRPr lang="en-US"/>
           </a:p>
@@ -1702,7 +1698,7 @@
           <a:p>
             <a:fld id="{78C97017-6FC3-485B-9764-EAC9E56C1D49}" type="datetimeFigureOut">
               <a:rPr lang="en-US" smtClean="0"/>
-              <a:t>7/6/2018</a:t>
+              <a:t>3/29/2019</a:t>
             </a:fld>
             <a:endParaRPr lang="en-US"/>
           </a:p>
@@ -2121,7 +2117,7 @@
           <a:p>
             <a:fld id="{78C97017-6FC3-485B-9764-EAC9E56C1D49}" type="datetimeFigureOut">
               <a:rPr lang="en-US" smtClean="0"/>
-              <a:t>7/6/2018</a:t>
+              <a:t>3/29/2019</a:t>
             </a:fld>
             <a:endParaRPr lang="en-US"/>
           </a:p>
@@ -2238,7 +2234,7 @@
           <a:p>
             <a:fld id="{78C97017-6FC3-485B-9764-EAC9E56C1D49}" type="datetimeFigureOut">
               <a:rPr lang="en-US" smtClean="0"/>
-              <a:t>7/6/2018</a:t>
+              <a:t>3/29/2019</a:t>
             </a:fld>
             <a:endParaRPr lang="en-US"/>
           </a:p>
@@ -2333,7 +2329,7 @@
           <a:p>
             <a:fld id="{78C97017-6FC3-485B-9764-EAC9E56C1D49}" type="datetimeFigureOut">
               <a:rPr lang="en-US" smtClean="0"/>
-              <a:t>7/6/2018</a:t>
+              <a:t>3/29/2019</a:t>
             </a:fld>
             <a:endParaRPr lang="en-US"/>
           </a:p>
@@ -2608,7 +2604,7 @@
           <a:p>
             <a:fld id="{78C97017-6FC3-485B-9764-EAC9E56C1D49}" type="datetimeFigureOut">
               <a:rPr lang="en-US" smtClean="0"/>
-              <a:t>7/6/2018</a:t>
+              <a:t>3/29/2019</a:t>
             </a:fld>
             <a:endParaRPr lang="en-US"/>
           </a:p>
@@ -2860,7 +2856,7 @@
           <a:p>
             <a:fld id="{78C97017-6FC3-485B-9764-EAC9E56C1D49}" type="datetimeFigureOut">
               <a:rPr lang="en-US" smtClean="0"/>
-              <a:t>7/6/2018</a:t>
+              <a:t>3/29/2019</a:t>
             </a:fld>
             <a:endParaRPr lang="en-US"/>
           </a:p>
@@ -3071,7 +3067,7 @@
           <a:p>
             <a:fld id="{78C97017-6FC3-485B-9764-EAC9E56C1D49}" type="datetimeFigureOut">
               <a:rPr lang="en-US" smtClean="0"/>
-              <a:t>7/6/2018</a:t>
+              <a:t>3/29/2019</a:t>
             </a:fld>
             <a:endParaRPr lang="en-US"/>
           </a:p>
@@ -3729,8 +3725,8 @@
         </p:nvSpPr>
         <p:spPr>
           <a:xfrm>
-            <a:off x="3437188" y="423022"/>
-            <a:ext cx="1219200" cy="467684"/>
+            <a:off x="3231129" y="423022"/>
+            <a:ext cx="1598779" cy="467684"/>
           </a:xfrm>
           <a:prstGeom prst="rect">
             <a:avLst/>
@@ -3770,18 +3766,15 @@
                   <a:schemeClr val="bg1"/>
                 </a:solidFill>
               </a:rPr>
-              <a:t>:Address</a:t>
-            </a:r>
-          </a:p>
-          <a:p>
-            <a:pPr algn="ctr"/>
+              <a:t>:</a:t>
+            </a:r>
             <a:r>
               <a:rPr lang="en-US" sz="1600" dirty="0" err="1">
                 <a:solidFill>
                   <a:schemeClr val="bg1"/>
                 </a:solidFill>
               </a:rPr>
-              <a:t>BookParser</a:t>
+              <a:t>ParserManager</a:t>
             </a:r>
             <a:endParaRPr lang="en-SG" sz="1600" dirty="0">
               <a:solidFill>
@@ -4286,7 +4279,7 @@
         </p:nvSpPr>
         <p:spPr>
           <a:xfrm>
-            <a:off x="5651548" y="2748246"/>
+            <a:off x="5582793" y="2748246"/>
             <a:ext cx="1298078" cy="184666"/>
           </a:xfrm>
           <a:prstGeom prst="rect">
@@ -4319,15 +4312,7 @@
                   </a:schemeClr>
                 </a:solidFill>
               </a:rPr>
-              <a:t>undo</a:t>
-            </a:r>
-            <a:r>
-              <a:rPr lang="en-US" sz="1200" dirty="0" err="1">
-                <a:solidFill>
-                  <a:srgbClr val="7030A0"/>
-                </a:solidFill>
-              </a:rPr>
-              <a:t>AddressBook</a:t>
+              <a:t>undoPlanner</a:t>
             </a:r>
             <a:r>
               <a:rPr lang="en-US" sz="1200" dirty="0">
@@ -4522,7 +4507,7 @@
                   <a:schemeClr val="bg1"/>
                 </a:solidFill>
               </a:rPr>
-              <a:t>VersionedAddressBook</a:t>
+              <a:t>VersionedPlanner</a:t>
             </a:r>
             <a:endParaRPr lang="en-SG" sz="1600" dirty="0">
               <a:solidFill>
@@ -5104,7 +5089,7 @@
                   <a:srgbClr val="7030A0"/>
                 </a:solidFill>
               </a:rPr>
-              <a:t>ReadOnlyAddressBook</a:t>
+              <a:t>ReadOnlyPlanner</a:t>
             </a:r>
             <a:r>
               <a:rPr lang="en-US" sz="1200" dirty="0">
